--- a/editions/mfr17/yarp.pptx
+++ b/editions/mfr17/yarp.pptx
@@ -243,7 +243,7 @@
           <a:p>
             <a:fld id="{24CE221E-83ED-4F6C-BA5F-3F9E6FDB6953}" type="datetimeFigureOut">
               <a:rPr lang="en-US"/>
-              <a:t>11/8/2017</a:t>
+              <a:t>08-Nov-17</a:t>
             </a:fld>
             <a:endParaRPr/>
           </a:p>
@@ -408,7 +408,7 @@
           <a:p>
             <a:fld id="{97853E5F-CE67-483C-A264-F17AC70E9CA2}" type="datetimeFigureOut">
               <a:rPr lang="en-US"/>
-              <a:t>11/8/2017</a:t>
+              <a:t>08-Nov-17</a:t>
             </a:fld>
             <a:endParaRPr/>
           </a:p>
@@ -1765,7 +1765,7 @@
           <a:p>
             <a:fld id="{3E0FA9E5-6744-4841-888F-9E7CC0C2B7EC}" type="datetimeFigureOut">
               <a:rPr lang="en-US" smtClean="0"/>
-              <a:t>11/8/2017</a:t>
+              <a:t>08-Nov-17</a:t>
             </a:fld>
             <a:endParaRPr lang="en-US"/>
           </a:p>
@@ -2085,7 +2085,7 @@
             <a:fld id="{3E0FA9E5-6744-4841-888F-9E7CC0C2B7EC}" type="datetimeFigureOut">
               <a:rPr lang="en-US" smtClean="0"/>
               <a:pPr/>
-              <a:t>11/8/2017</a:t>
+              <a:t>08-Nov-17</a:t>
             </a:fld>
             <a:endParaRPr lang="en-US" dirty="0"/>
           </a:p>
@@ -2339,7 +2339,7 @@
             <a:fld id="{3E0FA9E5-6744-4841-888F-9E7CC0C2B7EC}" type="datetimeFigureOut">
               <a:rPr lang="en-US" smtClean="0"/>
               <a:pPr/>
-              <a:t>11/8/2017</a:t>
+              <a:t>08-Nov-17</a:t>
             </a:fld>
             <a:endParaRPr lang="en-US" dirty="0"/>
           </a:p>
@@ -2885,7 +2885,7 @@
             <a:fld id="{3E0FA9E5-6744-4841-888F-9E7CC0C2B7EC}" type="datetimeFigureOut">
               <a:rPr lang="en-US" smtClean="0"/>
               <a:pPr/>
-              <a:t>11/8/2017</a:t>
+              <a:t>08-Nov-17</a:t>
             </a:fld>
             <a:endParaRPr lang="en-US" dirty="0"/>
           </a:p>
@@ -3139,7 +3139,7 @@
             <a:fld id="{3E0FA9E5-6744-4841-888F-9E7CC0C2B7EC}" type="datetimeFigureOut">
               <a:rPr lang="en-US" smtClean="0"/>
               <a:pPr/>
-              <a:t>11/8/2017</a:t>
+              <a:t>08-Nov-17</a:t>
             </a:fld>
             <a:endParaRPr lang="en-US" dirty="0"/>
           </a:p>
@@ -3677,7 +3677,7 @@
             <a:fld id="{3E0FA9E5-6744-4841-888F-9E7CC0C2B7EC}" type="datetimeFigureOut">
               <a:rPr lang="en-US" smtClean="0"/>
               <a:pPr/>
-              <a:t>11/8/2017</a:t>
+              <a:t>08-Nov-17</a:t>
             </a:fld>
             <a:endParaRPr lang="en-US" dirty="0"/>
           </a:p>
@@ -3980,7 +3980,7 @@
             <a:fld id="{3E0FA9E5-6744-4841-888F-9E7CC0C2B7EC}" type="datetimeFigureOut">
               <a:rPr lang="en-US" smtClean="0"/>
               <a:pPr/>
-              <a:t>11/8/2017</a:t>
+              <a:t>08-Nov-17</a:t>
             </a:fld>
             <a:endParaRPr lang="en-US" dirty="0"/>
           </a:p>
@@ -4159,7 +4159,7 @@
           <a:p>
             <a:fld id="{3E0FA9E5-6744-4841-888F-9E7CC0C2B7EC}" type="datetimeFigureOut">
               <a:rPr lang="en-US" smtClean="0"/>
-              <a:t>11/8/2017</a:t>
+              <a:t>08-Nov-17</a:t>
             </a:fld>
             <a:endParaRPr lang="en-US"/>
           </a:p>
@@ -4362,7 +4362,7 @@
           <a:p>
             <a:fld id="{3E0FA9E5-6744-4841-888F-9E7CC0C2B7EC}" type="datetimeFigureOut">
               <a:rPr lang="en-US" smtClean="0"/>
-              <a:t>11/8/2017</a:t>
+              <a:t>08-Nov-17</a:t>
             </a:fld>
             <a:endParaRPr lang="en-US"/>
           </a:p>
@@ -4555,7 +4555,7 @@
           <a:p>
             <a:fld id="{3E0FA9E5-6744-4841-888F-9E7CC0C2B7EC}" type="datetimeFigureOut">
               <a:rPr lang="en-US" smtClean="0"/>
-              <a:t>11/8/2017</a:t>
+              <a:t>08-Nov-17</a:t>
             </a:fld>
             <a:endParaRPr lang="en-US"/>
           </a:p>
@@ -4829,7 +4829,7 @@
           <a:p>
             <a:fld id="{3E0FA9E5-6744-4841-888F-9E7CC0C2B7EC}" type="datetimeFigureOut">
               <a:rPr lang="en-US" smtClean="0"/>
-              <a:t>11/8/2017</a:t>
+              <a:t>08-Nov-17</a:t>
             </a:fld>
             <a:endParaRPr lang="en-US"/>
           </a:p>
@@ -5149,7 +5149,7 @@
           <a:p>
             <a:fld id="{3E0FA9E5-6744-4841-888F-9E7CC0C2B7EC}" type="datetimeFigureOut">
               <a:rPr lang="en-US" smtClean="0"/>
-              <a:t>11/8/2017</a:t>
+              <a:t>08-Nov-17</a:t>
             </a:fld>
             <a:endParaRPr lang="en-US"/>
           </a:p>
@@ -5614,7 +5614,7 @@
           <a:p>
             <a:fld id="{3E0FA9E5-6744-4841-888F-9E7CC0C2B7EC}" type="datetimeFigureOut">
               <a:rPr lang="en-US" smtClean="0"/>
-              <a:t>11/8/2017</a:t>
+              <a:t>08-Nov-17</a:t>
             </a:fld>
             <a:endParaRPr lang="en-US"/>
           </a:p>
@@ -5755,7 +5755,7 @@
           <a:p>
             <a:fld id="{3E0FA9E5-6744-4841-888F-9E7CC0C2B7EC}" type="datetimeFigureOut">
               <a:rPr lang="en-US" smtClean="0"/>
-              <a:t>11/8/2017</a:t>
+              <a:t>08-Nov-17</a:t>
             </a:fld>
             <a:endParaRPr lang="en-US"/>
           </a:p>
@@ -5873,7 +5873,7 @@
           <a:p>
             <a:fld id="{3E0FA9E5-6744-4841-888F-9E7CC0C2B7EC}" type="datetimeFigureOut">
               <a:rPr lang="en-US" smtClean="0"/>
-              <a:t>11/8/2017</a:t>
+              <a:t>08-Nov-17</a:t>
             </a:fld>
             <a:endParaRPr lang="en-US"/>
           </a:p>
@@ -6179,7 +6179,7 @@
           <a:p>
             <a:fld id="{3E0FA9E5-6744-4841-888F-9E7CC0C2B7EC}" type="datetimeFigureOut">
               <a:rPr lang="en-US" smtClean="0"/>
-              <a:t>11/8/2017</a:t>
+              <a:t>08-Nov-17</a:t>
             </a:fld>
             <a:endParaRPr lang="en-US"/>
           </a:p>
@@ -6493,7 +6493,7 @@
           <a:p>
             <a:fld id="{35E72C73-2D91-4E12-BA25-F0AA0C03599B}" type="datetimeFigureOut">
               <a:rPr lang="en-US" smtClean="0"/>
-              <a:t>11/8/2017</a:t>
+              <a:t>08-Nov-17</a:t>
             </a:fld>
             <a:endParaRPr lang="en-US" dirty="0"/>
           </a:p>
@@ -7049,7 +7049,7 @@
             <a:fld id="{3E0FA9E5-6744-4841-888F-9E7CC0C2B7EC}" type="datetimeFigureOut">
               <a:rPr lang="en-US" smtClean="0"/>
               <a:pPr/>
-              <a:t>11/8/2017</a:t>
+              <a:t>08-Nov-17</a:t>
             </a:fld>
             <a:endParaRPr lang="en-US" dirty="0"/>
           </a:p>
@@ -8516,11 +8516,7 @@
             </a:pPr>
             <a:r>
               <a:rPr lang="en-US" sz="2100" dirty="0" smtClean="0"/>
-              <a:t>Data </a:t>
-            </a:r>
-            <a:r>
-              <a:rPr lang="en-US" sz="2100" dirty="0" smtClean="0"/>
-              <a:t>can be </a:t>
+              <a:t>Data can be </a:t>
             </a:r>
             <a:r>
               <a:rPr lang="en-US" sz="2100" dirty="0" smtClean="0">
@@ -8754,21 +8750,7 @@
                 <a:latin typeface="Courier New" panose="02070309020205020404" pitchFamily="49" charset="0"/>
                 <a:cs typeface="Courier New" panose="02070309020205020404" pitchFamily="49" charset="0"/>
               </a:rPr>
-              <a:t> </a:t>
-            </a:r>
-            <a:r>
-              <a:rPr lang="en-US" sz="1400" b="1" dirty="0" smtClean="0">
-                <a:latin typeface="Courier New" panose="02070309020205020404" pitchFamily="49" charset="0"/>
-                <a:cs typeface="Courier New" panose="02070309020205020404" pitchFamily="49" charset="0"/>
-              </a:rPr>
-              <a:t>x</a:t>
-            </a:r>
-            <a:r>
-              <a:rPr lang="en-US" sz="1400" b="1" dirty="0" smtClean="0">
-                <a:latin typeface="Courier New" panose="02070309020205020404" pitchFamily="49" charset="0"/>
-                <a:cs typeface="Courier New" panose="02070309020205020404" pitchFamily="49" charset="0"/>
-              </a:rPr>
-              <a:t>);                </a:t>
+              <a:t> x);                </a:t>
             </a:r>
             <a:r>
               <a:rPr lang="en-US" sz="1400" b="1" dirty="0" smtClean="0">
@@ -8979,17 +8961,7 @@
                 <a:latin typeface="Courier New" panose="02070309020205020404" pitchFamily="49" charset="0"/>
                 <a:cs typeface="Courier New" panose="02070309020205020404" pitchFamily="49" charset="0"/>
               </a:rPr>
-              <a:t>// </a:t>
-            </a:r>
-            <a:r>
-              <a:rPr lang="en-US" sz="1400" b="1" dirty="0" smtClean="0">
-                <a:solidFill>
-                  <a:srgbClr val="00B050"/>
-                </a:solidFill>
-                <a:latin typeface="Courier New" panose="02070309020205020404" pitchFamily="49" charset="0"/>
-                <a:cs typeface="Courier New" panose="02070309020205020404" pitchFamily="49" charset="0"/>
-              </a:rPr>
-              <a:t>Create </a:t>
+              <a:t>// Create </a:t>
             </a:r>
             <a:r>
               <a:rPr lang="en-US" sz="1400" b="1" dirty="0">
@@ -9318,10 +9290,6 @@
               </a:rPr>
               <a:t>();</a:t>
             </a:r>
-            <a:endParaRPr lang="en-US" sz="1400" b="1" dirty="0" smtClean="0">
-              <a:latin typeface="Courier New" panose="02070309020205020404" pitchFamily="49" charset="0"/>
-              <a:cs typeface="Courier New" panose="02070309020205020404" pitchFamily="49" charset="0"/>
-            </a:endParaRPr>
           </a:p>
           <a:p>
             <a:pPr marL="45720" indent="0">
@@ -9373,10 +9341,6 @@
               </a:rPr>
               <a:t>();</a:t>
             </a:r>
-            <a:endParaRPr lang="en-US" sz="1400" b="1" dirty="0" smtClean="0">
-              <a:latin typeface="Courier New" panose="02070309020205020404" pitchFamily="49" charset="0"/>
-              <a:cs typeface="Courier New" panose="02070309020205020404" pitchFamily="49" charset="0"/>
-            </a:endParaRPr>
           </a:p>
           <a:p>
             <a:pPr marL="45720" indent="0">
@@ -9625,17 +9589,7 @@
                 <a:latin typeface="Courier New" panose="02070309020205020404" pitchFamily="49" charset="0"/>
                 <a:cs typeface="Courier New" panose="02070309020205020404" pitchFamily="49" charset="0"/>
               </a:rPr>
-              <a:t>// </a:t>
-            </a:r>
-            <a:r>
-              <a:rPr lang="en-US" sz="1400" b="1" dirty="0" smtClean="0">
-                <a:solidFill>
-                  <a:srgbClr val="00B050"/>
-                </a:solidFill>
-                <a:latin typeface="Courier New" panose="02070309020205020404" pitchFamily="49" charset="0"/>
-                <a:cs typeface="Courier New" panose="02070309020205020404" pitchFamily="49" charset="0"/>
-              </a:rPr>
-              <a:t>Get </a:t>
+              <a:t>// Get </a:t>
             </a:r>
             <a:r>
               <a:rPr lang="en-US" sz="1400" b="1" dirty="0">
@@ -11279,11 +11233,7 @@
           <a:p>
             <a:r>
               <a:rPr lang="en-US" dirty="0" err="1" smtClean="0"/>
-              <a:t>y</a:t>
-            </a:r>
-            <a:r>
-              <a:rPr lang="en-US" dirty="0" err="1" smtClean="0"/>
-              <a:t>arp</a:t>
+              <a:t>yarp</a:t>
             </a:r>
             <a:r>
               <a:rPr lang="en-US" dirty="0" smtClean="0"/>
@@ -12729,7 +12679,11 @@
             </a:pPr>
             <a:r>
               <a:rPr lang="en-US" sz="2000" dirty="0" smtClean="0"/>
-              <a:t>Constrains:</a:t>
+              <a:t>Constraints</a:t>
+            </a:r>
+            <a:r>
+              <a:rPr lang="en-US" sz="2000" dirty="0" smtClean="0"/>
+              <a:t>:</a:t>
             </a:r>
           </a:p>
           <a:p>
@@ -21732,29 +21686,20 @@
             </a:pPr>
             <a:r>
               <a:rPr lang="en-US" sz="4400" dirty="0" smtClean="0"/>
-              <a:t>“But </a:t>
+              <a:t>“But I think </a:t>
+            </a:r>
+            <a:r>
+              <a:rPr lang="en-US" sz="4400" dirty="0" smtClean="0">
+                <a:solidFill>
+                  <a:srgbClr val="376DAE"/>
+                </a:solidFill>
+              </a:rPr>
+              <a:t>ROS</a:t>
             </a:r>
             <a:r>
               <a:rPr lang="en-US" sz="4400" dirty="0" smtClean="0"/>
-              <a:t>I think </a:t>
-            </a:r>
-            <a:r>
-              <a:rPr lang="en-US" sz="4400" dirty="0" smtClean="0">
-                <a:solidFill>
-                  <a:srgbClr val="376DAE"/>
-                </a:solidFill>
-              </a:rPr>
-              <a:t>ROS</a:t>
-            </a:r>
-            <a:r>
-              <a:rPr lang="en-US" sz="4400" dirty="0" smtClean="0"/>
-              <a:t> is </a:t>
-            </a:r>
-            <a:r>
-              <a:rPr lang="en-US" sz="4400" dirty="0" smtClean="0"/>
-              <a:t>better”</a:t>
-            </a:r>
-            <a:endParaRPr lang="en-US" sz="4400" dirty="0" smtClean="0"/>
+              <a:t> is better”</a:t>
+            </a:r>
           </a:p>
         </p:txBody>
       </p:sp>
@@ -26610,11 +26555,6 @@
               </a:rPr>
               <a:t>Distributed processing</a:t>
             </a:r>
-            <a:endParaRPr lang="en-US" sz="2000" dirty="0">
-              <a:solidFill>
-                <a:srgbClr val="00B050"/>
-              </a:solidFill>
-            </a:endParaRPr>
           </a:p>
           <a:p>
             <a:pPr marL="268288" lvl="1" indent="-268288"/>
@@ -34181,7 +34121,6 @@
               <a:rPr lang="en-US" dirty="0" smtClean="0"/>
               <a:t> are the communication entry point.</a:t>
             </a:r>
-            <a:endParaRPr lang="en-US" dirty="0" smtClean="0"/>
           </a:p>
           <a:p>
             <a:r>
@@ -34222,11 +34161,7 @@
             </a:r>
             <a:r>
               <a:rPr lang="en-US" dirty="0" smtClean="0"/>
-              <a:t> or custo</a:t>
-            </a:r>
-            <a:r>
-              <a:rPr lang="en-US" dirty="0" smtClean="0"/>
-              <a:t>m </a:t>
+              <a:t> or custom </a:t>
             </a:r>
             <a:r>
               <a:rPr lang="en-US" dirty="0" smtClean="0">
@@ -34240,7 +34175,6 @@
               <a:rPr lang="en-US" dirty="0" smtClean="0"/>
               <a:t> to manipulate data on the fly.</a:t>
             </a:r>
-            <a:endParaRPr lang="en-US" dirty="0" smtClean="0"/>
           </a:p>
           <a:p>
             <a:pPr>
@@ -34847,11 +34781,7 @@
             </a:r>
             <a:r>
               <a:rPr lang="it-IT" sz="2000" dirty="0"/>
-              <a:t> a </a:t>
-            </a:r>
-            <a:r>
-              <a:rPr lang="it-IT" sz="2000" dirty="0"/>
-              <a:t>DNS, </a:t>
+              <a:t> a DNS, </a:t>
             </a:r>
             <a:r>
               <a:rPr lang="it-IT" sz="2000" dirty="0" err="1"/>
@@ -36105,43 +36035,7 @@
                 <a:latin typeface="Courier New" panose="02070309020205020404" pitchFamily="49" charset="0"/>
                 <a:cs typeface="Courier New" panose="02070309020205020404" pitchFamily="49" charset="0"/>
               </a:rPr>
-              <a:t>yarp </a:t>
-            </a:r>
-            <a:r>
-              <a:rPr lang="it-IT" sz="1600" b="1" spc="-1" dirty="0" smtClean="0">
-                <a:uFill>
-                  <a:solidFill>
-                    <a:srgbClr val="FFFFFF"/>
-                  </a:solidFill>
-                </a:uFill>
-                <a:latin typeface="Courier New" panose="02070309020205020404" pitchFamily="49" charset="0"/>
-                <a:cs typeface="Courier New" panose="02070309020205020404" pitchFamily="49" charset="0"/>
-              </a:rPr>
-              <a:t>connect </a:t>
-            </a:r>
-            <a:r>
-              <a:rPr lang="it-IT" sz="1600" b="1" spc="-1" dirty="0" smtClean="0">
-                <a:uFill>
-                  <a:solidFill>
-                    <a:srgbClr val="FFFFFF"/>
-                  </a:solidFill>
-                </a:uFill>
-                <a:latin typeface="Courier New" panose="02070309020205020404" pitchFamily="49" charset="0"/>
-                <a:cs typeface="Courier New" panose="02070309020205020404" pitchFamily="49" charset="0"/>
-              </a:rPr>
-              <a:t>&lt;source&gt; &lt;receiver&gt; &lt;carrier&gt;(tcp</a:t>
-            </a:r>
-            <a:r>
-              <a:rPr lang="it-IT" sz="1600" b="1" spc="-1" dirty="0" smtClean="0">
-                <a:uFill>
-                  <a:solidFill>
-                    <a:srgbClr val="FFFFFF"/>
-                  </a:solidFill>
-                </a:uFill>
-                <a:latin typeface="Courier New" panose="02070309020205020404" pitchFamily="49" charset="0"/>
-                <a:cs typeface="Courier New" panose="02070309020205020404" pitchFamily="49" charset="0"/>
-              </a:rPr>
-              <a:t>)</a:t>
+              <a:t>yarp connect &lt;source&gt; &lt;receiver&gt; &lt;carrier&gt;(tcp)</a:t>
             </a:r>
             <a:endParaRPr lang="it-IT" sz="1600" b="1" spc="-1" dirty="0">
               <a:uFill>
@@ -36486,37 +36380,7 @@
                 <a:latin typeface="Courier New" panose="02070309020205020404" pitchFamily="49" charset="0"/>
                 <a:cs typeface="Courier New" panose="02070309020205020404" pitchFamily="49" charset="0"/>
               </a:rPr>
-              <a:t>$ </a:t>
-            </a:r>
-            <a:r>
-              <a:rPr lang="it-IT" sz="1600" spc="-1" dirty="0" smtClean="0">
-                <a:solidFill>
-                  <a:schemeClr val="accent2"/>
-                </a:solidFill>
-                <a:uFill>
-                  <a:solidFill>
-                    <a:srgbClr val="FFFFFF"/>
-                  </a:solidFill>
-                </a:uFill>
-                <a:latin typeface="Courier New" panose="02070309020205020404" pitchFamily="49" charset="0"/>
-                <a:cs typeface="Courier New" panose="02070309020205020404" pitchFamily="49" charset="0"/>
-              </a:rPr>
-              <a:t>yarp </a:t>
-            </a:r>
-            <a:r>
-              <a:rPr lang="it-IT" sz="1600" spc="-1" dirty="0" smtClean="0">
-                <a:solidFill>
-                  <a:schemeClr val="accent2"/>
-                </a:solidFill>
-                <a:uFill>
-                  <a:solidFill>
-                    <a:srgbClr val="FFFFFF"/>
-                  </a:solidFill>
-                </a:uFill>
-                <a:latin typeface="Courier New" panose="02070309020205020404" pitchFamily="49" charset="0"/>
-                <a:cs typeface="Courier New" panose="02070309020205020404" pitchFamily="49" charset="0"/>
-              </a:rPr>
-              <a:t>name list</a:t>
+              <a:t>$ yarp name list</a:t>
             </a:r>
           </a:p>
           <a:p>
@@ -38627,15 +38491,6 @@
 </file>
 
 <file path=customXml/item1.xml><?xml version="1.0" encoding="utf-8"?>
-<?mso-contentType ?>
-<FormTemplates xmlns="http://schemas.microsoft.com/sharepoint/v3/contenttype/forms">
-  <Display>DocumentLibraryForm</Display>
-  <Edit>DocumentLibraryForm</Edit>
-  <New>DocumentLibraryForm</New>
-</FormTemplates>
-</file>
-
-<file path=customXml/item2.xml><?xml version="1.0" encoding="utf-8"?>
 <p:properties xmlns:p="http://schemas.microsoft.com/office/2006/metadata/properties" xmlns:xsi="http://www.w3.org/2001/XMLSchema-instance" xmlns:pc="http://schemas.microsoft.com/office/infopath/2007/PartnerControls">
   <documentManagement>
     <VSO_x0020_item_x0020_id xmlns="40262f94-9f35-4ac3-9a90-690165a166b7" xsi:nil="true"/>
@@ -38644,6 +38499,15 @@
     <Template_x0020_details xmlns="40262f94-9f35-4ac3-9a90-690165a166b7" xsi:nil="true"/>
   </documentManagement>
 </p:properties>
+</file>
+
+<file path=customXml/item2.xml><?xml version="1.0" encoding="utf-8"?>
+<?mso-contentType ?>
+<FormTemplates xmlns="http://schemas.microsoft.com/sharepoint/v3/contenttype/forms">
+  <Display>DocumentLibraryForm</Display>
+  <Edit>DocumentLibraryForm</Edit>
+  <New>DocumentLibraryForm</New>
+</FormTemplates>
 </file>
 
 <file path=customXml/item3.xml><?xml version="1.0" encoding="utf-8"?>
@@ -38828,14 +38692,6 @@
 </file>
 
 <file path=customXml/itemProps1.xml><?xml version="1.0" encoding="utf-8"?>
-<ds:datastoreItem xmlns:ds="http://schemas.openxmlformats.org/officeDocument/2006/customXml" ds:itemID="{02F2BE50-DDB3-465B-A26E-975A276D4362}">
-  <ds:schemaRefs>
-    <ds:schemaRef ds:uri="http://schemas.microsoft.com/sharepoint/v3/contenttype/forms"/>
-  </ds:schemaRefs>
-</ds:datastoreItem>
-</file>
-
-<file path=customXml/itemProps2.xml><?xml version="1.0" encoding="utf-8"?>
 <ds:datastoreItem xmlns:ds="http://schemas.openxmlformats.org/officeDocument/2006/customXml" ds:itemID="{99220E13-D325-4A9E-AA7A-0D1409275EB9}">
   <ds:schemaRefs>
     <ds:schemaRef ds:uri="http://purl.org/dc/terms/"/>
@@ -38848,6 +38704,14 @@
     <ds:schemaRef ds:uri="http://schemas.microsoft.com/office/infopath/2007/PartnerControls"/>
     <ds:schemaRef ds:uri="40262f94-9f35-4ac3-9a90-690165a166b7"/>
     <ds:schemaRef ds:uri="http://www.w3.org/XML/1998/namespace"/>
+  </ds:schemaRefs>
+</ds:datastoreItem>
+</file>
+
+<file path=customXml/itemProps2.xml><?xml version="1.0" encoding="utf-8"?>
+<ds:datastoreItem xmlns:ds="http://schemas.openxmlformats.org/officeDocument/2006/customXml" ds:itemID="{02F2BE50-DDB3-465B-A26E-975A276D4362}">
+  <ds:schemaRefs>
+    <ds:schemaRef ds:uri="http://schemas.microsoft.com/sharepoint/v3/contenttype/forms"/>
   </ds:schemaRefs>
 </ds:datastoreItem>
 </file>
